--- a/Прозоров Александр ИС 23-1 ППИКС.pptx
+++ b/Прозоров Александр ИС 23-1 ППИКС.pptx
@@ -271,7 +271,7 @@
           <a:p>
             <a:fld id="{4F703141-9185-4E2C-9B27-583E84560234}" type="datetimeFigureOut">
               <a:rPr lang="ru-KZ" smtClean="0"/>
-              <a:t>05.05.2025</a:t>
+              <a:t>06.05.2025</a:t>
             </a:fld>
             <a:endParaRPr lang="ru-KZ"/>
           </a:p>
@@ -471,7 +471,7 @@
           <a:p>
             <a:fld id="{4F703141-9185-4E2C-9B27-583E84560234}" type="datetimeFigureOut">
               <a:rPr lang="ru-KZ" smtClean="0"/>
-              <a:t>05.05.2025</a:t>
+              <a:t>06.05.2025</a:t>
             </a:fld>
             <a:endParaRPr lang="ru-KZ"/>
           </a:p>
@@ -681,7 +681,7 @@
           <a:p>
             <a:fld id="{4F703141-9185-4E2C-9B27-583E84560234}" type="datetimeFigureOut">
               <a:rPr lang="ru-KZ" smtClean="0"/>
-              <a:t>05.05.2025</a:t>
+              <a:t>06.05.2025</a:t>
             </a:fld>
             <a:endParaRPr lang="ru-KZ"/>
           </a:p>
@@ -881,7 +881,7 @@
           <a:p>
             <a:fld id="{4F703141-9185-4E2C-9B27-583E84560234}" type="datetimeFigureOut">
               <a:rPr lang="ru-KZ" smtClean="0"/>
-              <a:t>05.05.2025</a:t>
+              <a:t>06.05.2025</a:t>
             </a:fld>
             <a:endParaRPr lang="ru-KZ"/>
           </a:p>
@@ -1157,7 +1157,7 @@
           <a:p>
             <a:fld id="{4F703141-9185-4E2C-9B27-583E84560234}" type="datetimeFigureOut">
               <a:rPr lang="ru-KZ" smtClean="0"/>
-              <a:t>05.05.2025</a:t>
+              <a:t>06.05.2025</a:t>
             </a:fld>
             <a:endParaRPr lang="ru-KZ"/>
           </a:p>
@@ -1425,7 +1425,7 @@
           <a:p>
             <a:fld id="{4F703141-9185-4E2C-9B27-583E84560234}" type="datetimeFigureOut">
               <a:rPr lang="ru-KZ" smtClean="0"/>
-              <a:t>05.05.2025</a:t>
+              <a:t>06.05.2025</a:t>
             </a:fld>
             <a:endParaRPr lang="ru-KZ"/>
           </a:p>
@@ -1840,7 +1840,7 @@
           <a:p>
             <a:fld id="{4F703141-9185-4E2C-9B27-583E84560234}" type="datetimeFigureOut">
               <a:rPr lang="ru-KZ" smtClean="0"/>
-              <a:t>05.05.2025</a:t>
+              <a:t>06.05.2025</a:t>
             </a:fld>
             <a:endParaRPr lang="ru-KZ"/>
           </a:p>
@@ -1982,7 +1982,7 @@
           <a:p>
             <a:fld id="{4F703141-9185-4E2C-9B27-583E84560234}" type="datetimeFigureOut">
               <a:rPr lang="ru-KZ" smtClean="0"/>
-              <a:t>05.05.2025</a:t>
+              <a:t>06.05.2025</a:t>
             </a:fld>
             <a:endParaRPr lang="ru-KZ"/>
           </a:p>
@@ -2095,7 +2095,7 @@
           <a:p>
             <a:fld id="{4F703141-9185-4E2C-9B27-583E84560234}" type="datetimeFigureOut">
               <a:rPr lang="ru-KZ" smtClean="0"/>
-              <a:t>05.05.2025</a:t>
+              <a:t>06.05.2025</a:t>
             </a:fld>
             <a:endParaRPr lang="ru-KZ"/>
           </a:p>
@@ -2408,7 +2408,7 @@
           <a:p>
             <a:fld id="{4F703141-9185-4E2C-9B27-583E84560234}" type="datetimeFigureOut">
               <a:rPr lang="ru-KZ" smtClean="0"/>
-              <a:t>05.05.2025</a:t>
+              <a:t>06.05.2025</a:t>
             </a:fld>
             <a:endParaRPr lang="ru-KZ"/>
           </a:p>
@@ -2697,7 +2697,7 @@
           <a:p>
             <a:fld id="{4F703141-9185-4E2C-9B27-583E84560234}" type="datetimeFigureOut">
               <a:rPr lang="ru-KZ" smtClean="0"/>
-              <a:t>05.05.2025</a:t>
+              <a:t>06.05.2025</a:t>
             </a:fld>
             <a:endParaRPr lang="ru-KZ"/>
           </a:p>
@@ -2940,7 +2940,7 @@
           <a:p>
             <a:fld id="{4F703141-9185-4E2C-9B27-583E84560234}" type="datetimeFigureOut">
               <a:rPr lang="ru-KZ" smtClean="0"/>
-              <a:t>05.05.2025</a:t>
+              <a:t>06.05.2025</a:t>
             </a:fld>
             <a:endParaRPr lang="ru-KZ"/>
           </a:p>
@@ -3622,12 +3622,17 @@
         </p:blipFill>
         <p:spPr>
           <a:xfrm>
-            <a:off x="0" y="190500"/>
-            <a:ext cx="12192000" cy="6477000"/>
+            <a:off x="838200" y="635794"/>
+            <a:ext cx="10515600" cy="5586412"/>
           </a:xfrm>
           <a:prstGeom prst="rect">
             <a:avLst/>
           </a:prstGeom>
+          <a:ln w="28575">
+            <a:solidFill>
+              <a:schemeClr val="tx1"/>
+            </a:solidFill>
+          </a:ln>
         </p:spPr>
       </p:pic>
     </p:spTree>
@@ -4070,7 +4075,7 @@
         </p:spPr>
         <p:txBody>
           <a:bodyPr>
-            <a:normAutofit/>
+            <a:normAutofit fontScale="90000"/>
           </a:bodyPr>
           <a:lstStyle/>
           <a:p>
@@ -4079,7 +4084,7 @@
                 <a:latin typeface="Times New Roman" panose="02020603050405020304" pitchFamily="18" charset="0"/>
                 <a:cs typeface="Times New Roman" panose="02020603050405020304" pitchFamily="18" charset="0"/>
               </a:rPr>
-              <a:t>Цель проекта - разработка сайта для продажи видеоигр</a:t>
+              <a:t>Цель проекта - разработка сайта для выпуска новостей о видеоиграх</a:t>
             </a:r>
             <a:endParaRPr lang="ru-KZ" sz="3200" dirty="0">
               <a:latin typeface="Times New Roman" panose="02020603050405020304" pitchFamily="18" charset="0"/>
@@ -4394,12 +4399,17 @@
         </p:blipFill>
         <p:spPr>
           <a:xfrm>
-            <a:off x="0" y="190500"/>
-            <a:ext cx="12192000" cy="6477000"/>
+            <a:off x="838201" y="635794"/>
+            <a:ext cx="10515600" cy="5586412"/>
           </a:xfrm>
           <a:prstGeom prst="rect">
             <a:avLst/>
           </a:prstGeom>
+          <a:ln w="28575">
+            <a:solidFill>
+              <a:schemeClr val="tx1"/>
+            </a:solidFill>
+          </a:ln>
         </p:spPr>
       </p:pic>
     </p:spTree>
@@ -4479,12 +4489,17 @@
         </p:blipFill>
         <p:spPr>
           <a:xfrm>
-            <a:off x="0" y="190500"/>
-            <a:ext cx="12192000" cy="6477000"/>
+            <a:off x="838200" y="635794"/>
+            <a:ext cx="10515600" cy="5586412"/>
           </a:xfrm>
           <a:prstGeom prst="rect">
             <a:avLst/>
           </a:prstGeom>
+          <a:ln w="28575">
+            <a:solidFill>
+              <a:schemeClr val="tx1"/>
+            </a:solidFill>
+          </a:ln>
         </p:spPr>
       </p:pic>
     </p:spTree>
@@ -4564,12 +4579,17 @@
         </p:blipFill>
         <p:spPr>
           <a:xfrm>
-            <a:off x="0" y="190500"/>
-            <a:ext cx="12192000" cy="6477000"/>
+            <a:off x="838200" y="635794"/>
+            <a:ext cx="10515600" cy="5586412"/>
           </a:xfrm>
           <a:prstGeom prst="rect">
             <a:avLst/>
           </a:prstGeom>
+          <a:ln w="28575">
+            <a:solidFill>
+              <a:schemeClr val="tx1"/>
+            </a:solidFill>
+          </a:ln>
         </p:spPr>
       </p:pic>
     </p:spTree>
@@ -4649,12 +4669,17 @@
         </p:blipFill>
         <p:spPr>
           <a:xfrm>
-            <a:off x="0" y="190500"/>
-            <a:ext cx="12192000" cy="6477000"/>
+            <a:off x="838200" y="635794"/>
+            <a:ext cx="10515600" cy="5586412"/>
           </a:xfrm>
           <a:prstGeom prst="rect">
             <a:avLst/>
           </a:prstGeom>
+          <a:ln w="28575">
+            <a:solidFill>
+              <a:schemeClr val="tx1"/>
+            </a:solidFill>
+          </a:ln>
         </p:spPr>
       </p:pic>
     </p:spTree>
@@ -4734,12 +4759,17 @@
         </p:blipFill>
         <p:spPr>
           <a:xfrm>
-            <a:off x="0" y="190500"/>
-            <a:ext cx="12192000" cy="6477000"/>
+            <a:off x="838200" y="635794"/>
+            <a:ext cx="10515600" cy="5586412"/>
           </a:xfrm>
           <a:prstGeom prst="rect">
             <a:avLst/>
           </a:prstGeom>
+          <a:ln w="28575">
+            <a:solidFill>
+              <a:schemeClr val="tx1"/>
+            </a:solidFill>
+          </a:ln>
         </p:spPr>
       </p:pic>
     </p:spTree>
@@ -4819,12 +4849,17 @@
         </p:blipFill>
         <p:spPr>
           <a:xfrm>
-            <a:off x="0" y="190500"/>
-            <a:ext cx="12192000" cy="6477000"/>
+            <a:off x="838200" y="635794"/>
+            <a:ext cx="10515600" cy="5586412"/>
           </a:xfrm>
           <a:prstGeom prst="rect">
             <a:avLst/>
           </a:prstGeom>
+          <a:ln w="28575">
+            <a:solidFill>
+              <a:schemeClr val="tx1"/>
+            </a:solidFill>
+          </a:ln>
         </p:spPr>
       </p:pic>
     </p:spTree>
@@ -5136,6 +5171,15 @@
 </file>
 
 <file path=customXml/item1.xml><?xml version="1.0" encoding="utf-8"?>
+<?mso-contentType ?>
+<FormTemplates xmlns="http://schemas.microsoft.com/sharepoint/v3/contenttype/forms">
+  <Display>DocumentLibraryForm</Display>
+  <Edit>DocumentLibraryForm</Edit>
+  <New>DocumentLibraryForm</New>
+</FormTemplates>
+</file>
+
+<file path=customXml/item2.xml><?xml version="1.0" encoding="utf-8"?>
 <p:properties xmlns:p="http://schemas.microsoft.com/office/2006/metadata/properties" xmlns:xsi="http://www.w3.org/2001/XMLSchema-instance" xmlns:pc="http://schemas.microsoft.com/office/infopath/2007/PartnerControls">
   <documentManagement>
     <ReferenceId xmlns="98fd9e49-f926-48f6-b3ae-67fadd8aa76a" xsi:nil="true"/>
@@ -5145,15 +5189,6 @@
     </lcf76f155ced4ddcb4097134ff3c332f>
   </documentManagement>
 </p:properties>
-</file>
-
-<file path=customXml/item2.xml><?xml version="1.0" encoding="utf-8"?>
-<?mso-contentType ?>
-<FormTemplates xmlns="http://schemas.microsoft.com/sharepoint/v3/contenttype/forms">
-  <Display>DocumentLibraryForm</Display>
-  <Edit>DocumentLibraryForm</Edit>
-  <New>DocumentLibraryForm</New>
-</FormTemplates>
 </file>
 
 <file path=customXml/item3.xml><?xml version="1.0" encoding="utf-8"?>
@@ -5358,20 +5393,20 @@
 </file>
 
 <file path=customXml/itemProps1.xml><?xml version="1.0" encoding="utf-8"?>
+<ds:datastoreItem xmlns:ds="http://schemas.openxmlformats.org/officeDocument/2006/customXml" ds:itemID="{0FABAAE6-BF2C-4A64-8733-ED6C3E0BC5C9}">
+  <ds:schemaRefs>
+    <ds:schemaRef ds:uri="http://schemas.microsoft.com/sharepoint/v3/contenttype/forms"/>
+  </ds:schemaRefs>
+</ds:datastoreItem>
+</file>
+
+<file path=customXml/itemProps2.xml><?xml version="1.0" encoding="utf-8"?>
 <ds:datastoreItem xmlns:ds="http://schemas.openxmlformats.org/officeDocument/2006/customXml" ds:itemID="{93605E07-8035-4EC1-9334-485650FC3C42}">
   <ds:schemaRefs>
     <ds:schemaRef ds:uri="http://schemas.microsoft.com/office/2006/metadata/properties"/>
     <ds:schemaRef ds:uri="http://schemas.microsoft.com/office/infopath/2007/PartnerControls"/>
     <ds:schemaRef ds:uri="98fd9e49-f926-48f6-b3ae-67fadd8aa76a"/>
     <ds:schemaRef ds:uri="6bef30d4-4844-452a-b837-86189c74a4dc"/>
-  </ds:schemaRefs>
-</ds:datastoreItem>
-</file>
-
-<file path=customXml/itemProps2.xml><?xml version="1.0" encoding="utf-8"?>
-<ds:datastoreItem xmlns:ds="http://schemas.openxmlformats.org/officeDocument/2006/customXml" ds:itemID="{0FABAAE6-BF2C-4A64-8733-ED6C3E0BC5C9}">
-  <ds:schemaRefs>
-    <ds:schemaRef ds:uri="http://schemas.microsoft.com/sharepoint/v3/contenttype/forms"/>
   </ds:schemaRefs>
 </ds:datastoreItem>
 </file>
